--- a/images/safety_definition.pptx
+++ b/images/safety_definition.pptx
@@ -2,7 +2,7 @@
 <file path=ppt/presentation.xml><?xml version="1.0" encoding="utf-8"?>
 <p:presentation xmlns:a="http://schemas.openxmlformats.org/drawingml/2006/main" xmlns:r="http://schemas.openxmlformats.org/officeDocument/2006/relationships" xmlns:p="http://schemas.openxmlformats.org/presentationml/2006/main" saveSubsetFonts="1" autoCompressPictures="0">
   <p:sldMasterIdLst>
-    <p:sldMasterId id="2147483720" r:id="rId1"/>
+    <p:sldMasterId id="2147483744" r:id="rId1"/>
   </p:sldMasterIdLst>
   <p:notesMasterIdLst>
     <p:notesMasterId r:id="rId3"/>
@@ -10,7 +10,7 @@
   <p:sldIdLst>
     <p:sldId id="305" r:id="rId2"/>
   </p:sldIdLst>
-  <p:sldSz cx="13258800" cy="6858000"/>
+  <p:sldSz cx="14173200" cy="6858000"/>
   <p:notesSz cx="6858000" cy="9144000"/>
   <p:defaultTextStyle>
     <a:defPPr>
@@ -215,8 +215,8 @@
         </p:nvSpPr>
         <p:spPr>
           <a:xfrm>
-            <a:off x="446088" y="1143000"/>
-            <a:ext cx="5965825" cy="3086100"/>
+            <a:off x="241300" y="1143000"/>
+            <a:ext cx="6375400" cy="3086100"/>
           </a:xfrm>
           <a:prstGeom prst="rect">
             <a:avLst/>
@@ -493,8 +493,8 @@
         </p:nvSpPr>
         <p:spPr>
           <a:xfrm>
-            <a:off x="446088" y="1143000"/>
-            <a:ext cx="5965825" cy="3086100"/>
+            <a:off x="241300" y="1143000"/>
+            <a:ext cx="6375400" cy="3086100"/>
           </a:xfrm>
         </p:spPr>
       </p:sp>
@@ -582,8 +582,8 @@
         </p:nvSpPr>
         <p:spPr>
           <a:xfrm>
-            <a:off x="1657350" y="1122363"/>
-            <a:ext cx="9944100" cy="2387600"/>
+            <a:off x="1771650" y="1122363"/>
+            <a:ext cx="10629900" cy="2387600"/>
           </a:xfrm>
         </p:spPr>
         <p:txBody>
@@ -614,8 +614,8 @@
         </p:nvSpPr>
         <p:spPr>
           <a:xfrm>
-            <a:off x="1657350" y="3602038"/>
-            <a:ext cx="9944100" cy="1655762"/>
+            <a:off x="1771650" y="3602038"/>
+            <a:ext cx="10629900" cy="1655762"/>
           </a:xfrm>
         </p:spPr>
         <p:txBody>
@@ -735,7 +735,7 @@
     </p:spTree>
     <p:extLst>
       <p:ext uri="{BB962C8B-B14F-4D97-AF65-F5344CB8AC3E}">
-        <p14:creationId xmlns:p14="http://schemas.microsoft.com/office/powerpoint/2010/main" val="3789335852"/>
+        <p14:creationId xmlns:p14="http://schemas.microsoft.com/office/powerpoint/2010/main" val="1454265192"/>
       </p:ext>
     </p:extLst>
   </p:cSld>
@@ -905,7 +905,7 @@
     </p:spTree>
     <p:extLst>
       <p:ext uri="{BB962C8B-B14F-4D97-AF65-F5344CB8AC3E}">
-        <p14:creationId xmlns:p14="http://schemas.microsoft.com/office/powerpoint/2010/main" val="66011343"/>
+        <p14:creationId xmlns:p14="http://schemas.microsoft.com/office/powerpoint/2010/main" val="3005913319"/>
       </p:ext>
     </p:extLst>
   </p:cSld>
@@ -944,8 +944,8 @@
         </p:nvSpPr>
         <p:spPr>
           <a:xfrm>
-            <a:off x="9488329" y="365125"/>
-            <a:ext cx="2858929" cy="5811838"/>
+            <a:off x="10142696" y="365125"/>
+            <a:ext cx="3056096" cy="5811838"/>
           </a:xfrm>
         </p:spPr>
         <p:txBody>
@@ -972,8 +972,8 @@
         </p:nvSpPr>
         <p:spPr>
           <a:xfrm>
-            <a:off x="911543" y="365125"/>
-            <a:ext cx="8411051" cy="5811838"/>
+            <a:off x="974407" y="365125"/>
+            <a:ext cx="8991124" cy="5811838"/>
           </a:xfrm>
         </p:spPr>
         <p:txBody>
@@ -1085,7 +1085,7 @@
     </p:spTree>
     <p:extLst>
       <p:ext uri="{BB962C8B-B14F-4D97-AF65-F5344CB8AC3E}">
-        <p14:creationId xmlns:p14="http://schemas.microsoft.com/office/powerpoint/2010/main" val="3137582764"/>
+        <p14:creationId xmlns:p14="http://schemas.microsoft.com/office/powerpoint/2010/main" val="1334452403"/>
       </p:ext>
     </p:extLst>
   </p:cSld>
@@ -1255,7 +1255,7 @@
     </p:spTree>
     <p:extLst>
       <p:ext uri="{BB962C8B-B14F-4D97-AF65-F5344CB8AC3E}">
-        <p14:creationId xmlns:p14="http://schemas.microsoft.com/office/powerpoint/2010/main" val="3938547455"/>
+        <p14:creationId xmlns:p14="http://schemas.microsoft.com/office/powerpoint/2010/main" val="2322911341"/>
       </p:ext>
     </p:extLst>
   </p:cSld>
@@ -1294,8 +1294,8 @@
         </p:nvSpPr>
         <p:spPr>
           <a:xfrm>
-            <a:off x="904637" y="1709739"/>
-            <a:ext cx="11435715" cy="2852737"/>
+            <a:off x="967026" y="1709739"/>
+            <a:ext cx="12224385" cy="2852737"/>
           </a:xfrm>
         </p:spPr>
         <p:txBody>
@@ -1326,8 +1326,8 @@
         </p:nvSpPr>
         <p:spPr>
           <a:xfrm>
-            <a:off x="904637" y="4589464"/>
-            <a:ext cx="11435715" cy="1500187"/>
+            <a:off x="967026" y="4589464"/>
+            <a:ext cx="12224385" cy="1500187"/>
           </a:xfrm>
         </p:spPr>
         <p:txBody>
@@ -1501,7 +1501,7 @@
     </p:spTree>
     <p:extLst>
       <p:ext uri="{BB962C8B-B14F-4D97-AF65-F5344CB8AC3E}">
-        <p14:creationId xmlns:p14="http://schemas.microsoft.com/office/powerpoint/2010/main" val="4250986073"/>
+        <p14:creationId xmlns:p14="http://schemas.microsoft.com/office/powerpoint/2010/main" val="3640368113"/>
       </p:ext>
     </p:extLst>
   </p:cSld>
@@ -1563,8 +1563,8 @@
         </p:nvSpPr>
         <p:spPr>
           <a:xfrm>
-            <a:off x="911543" y="1825625"/>
-            <a:ext cx="5634990" cy="4351338"/>
+            <a:off x="974408" y="1825625"/>
+            <a:ext cx="6023610" cy="4351338"/>
           </a:xfrm>
         </p:spPr>
         <p:txBody>
@@ -1620,8 +1620,8 @@
         </p:nvSpPr>
         <p:spPr>
           <a:xfrm>
-            <a:off x="6712268" y="1825625"/>
-            <a:ext cx="5634990" cy="4351338"/>
+            <a:off x="7175183" y="1825625"/>
+            <a:ext cx="6023610" cy="4351338"/>
           </a:xfrm>
         </p:spPr>
         <p:txBody>
@@ -1733,7 +1733,7 @@
     </p:spTree>
     <p:extLst>
       <p:ext uri="{BB962C8B-B14F-4D97-AF65-F5344CB8AC3E}">
-        <p14:creationId xmlns:p14="http://schemas.microsoft.com/office/powerpoint/2010/main" val="3640687135"/>
+        <p14:creationId xmlns:p14="http://schemas.microsoft.com/office/powerpoint/2010/main" val="2557361360"/>
       </p:ext>
     </p:extLst>
   </p:cSld>
@@ -1772,8 +1772,8 @@
         </p:nvSpPr>
         <p:spPr>
           <a:xfrm>
-            <a:off x="913269" y="365126"/>
-            <a:ext cx="11435715" cy="1325563"/>
+            <a:off x="976254" y="365126"/>
+            <a:ext cx="12224385" cy="1325563"/>
           </a:xfrm>
         </p:spPr>
         <p:txBody>
@@ -1800,8 +1800,8 @@
         </p:nvSpPr>
         <p:spPr>
           <a:xfrm>
-            <a:off x="913270" y="1681163"/>
-            <a:ext cx="5609093" cy="823912"/>
+            <a:off x="976254" y="1681163"/>
+            <a:ext cx="5995927" cy="823912"/>
           </a:xfrm>
         </p:spPr>
         <p:txBody>
@@ -1865,8 +1865,8 @@
         </p:nvSpPr>
         <p:spPr>
           <a:xfrm>
-            <a:off x="913270" y="2505075"/>
-            <a:ext cx="5609093" cy="3684588"/>
+            <a:off x="976254" y="2505075"/>
+            <a:ext cx="5995927" cy="3684588"/>
           </a:xfrm>
         </p:spPr>
         <p:txBody>
@@ -1922,8 +1922,8 @@
         </p:nvSpPr>
         <p:spPr>
           <a:xfrm>
-            <a:off x="6712267" y="1681163"/>
-            <a:ext cx="5636717" cy="823912"/>
+            <a:off x="7175183" y="1681163"/>
+            <a:ext cx="6025456" cy="823912"/>
           </a:xfrm>
         </p:spPr>
         <p:txBody>
@@ -1987,8 +1987,8 @@
         </p:nvSpPr>
         <p:spPr>
           <a:xfrm>
-            <a:off x="6712267" y="2505075"/>
-            <a:ext cx="5636717" cy="3684588"/>
+            <a:off x="7175183" y="2505075"/>
+            <a:ext cx="6025456" cy="3684588"/>
           </a:xfrm>
         </p:spPr>
         <p:txBody>
@@ -2100,7 +2100,7 @@
     </p:spTree>
     <p:extLst>
       <p:ext uri="{BB962C8B-B14F-4D97-AF65-F5344CB8AC3E}">
-        <p14:creationId xmlns:p14="http://schemas.microsoft.com/office/powerpoint/2010/main" val="2323625817"/>
+        <p14:creationId xmlns:p14="http://schemas.microsoft.com/office/powerpoint/2010/main" val="4176767720"/>
       </p:ext>
     </p:extLst>
   </p:cSld>
@@ -2218,7 +2218,7 @@
     </p:spTree>
     <p:extLst>
       <p:ext uri="{BB962C8B-B14F-4D97-AF65-F5344CB8AC3E}">
-        <p14:creationId xmlns:p14="http://schemas.microsoft.com/office/powerpoint/2010/main" val="474927021"/>
+        <p14:creationId xmlns:p14="http://schemas.microsoft.com/office/powerpoint/2010/main" val="770124461"/>
       </p:ext>
     </p:extLst>
   </p:cSld>
@@ -2313,7 +2313,7 @@
     </p:spTree>
     <p:extLst>
       <p:ext uri="{BB962C8B-B14F-4D97-AF65-F5344CB8AC3E}">
-        <p14:creationId xmlns:p14="http://schemas.microsoft.com/office/powerpoint/2010/main" val="3556972734"/>
+        <p14:creationId xmlns:p14="http://schemas.microsoft.com/office/powerpoint/2010/main" val="1642305603"/>
       </p:ext>
     </p:extLst>
   </p:cSld>
@@ -2352,8 +2352,8 @@
         </p:nvSpPr>
         <p:spPr>
           <a:xfrm>
-            <a:off x="913270" y="457200"/>
-            <a:ext cx="4276308" cy="1600200"/>
+            <a:off x="976254" y="457200"/>
+            <a:ext cx="4571226" cy="1600200"/>
           </a:xfrm>
         </p:spPr>
         <p:txBody>
@@ -2384,8 +2384,8 @@
         </p:nvSpPr>
         <p:spPr>
           <a:xfrm>
-            <a:off x="5636717" y="987426"/>
-            <a:ext cx="6712268" cy="4873625"/>
+            <a:off x="6025456" y="987426"/>
+            <a:ext cx="7175183" cy="4873625"/>
           </a:xfrm>
         </p:spPr>
         <p:txBody>
@@ -2469,8 +2469,8 @@
         </p:nvSpPr>
         <p:spPr>
           <a:xfrm>
-            <a:off x="913270" y="2057400"/>
-            <a:ext cx="4276308" cy="3811588"/>
+            <a:off x="976254" y="2057400"/>
+            <a:ext cx="4571226" cy="3811588"/>
           </a:xfrm>
         </p:spPr>
         <p:txBody>
@@ -2590,7 +2590,7 @@
     </p:spTree>
     <p:extLst>
       <p:ext uri="{BB962C8B-B14F-4D97-AF65-F5344CB8AC3E}">
-        <p14:creationId xmlns:p14="http://schemas.microsoft.com/office/powerpoint/2010/main" val="1296181805"/>
+        <p14:creationId xmlns:p14="http://schemas.microsoft.com/office/powerpoint/2010/main" val="1838456631"/>
       </p:ext>
     </p:extLst>
   </p:cSld>
@@ -2629,8 +2629,8 @@
         </p:nvSpPr>
         <p:spPr>
           <a:xfrm>
-            <a:off x="913270" y="457200"/>
-            <a:ext cx="4276308" cy="1600200"/>
+            <a:off x="976254" y="457200"/>
+            <a:ext cx="4571226" cy="1600200"/>
           </a:xfrm>
         </p:spPr>
         <p:txBody>
@@ -2661,8 +2661,8 @@
         </p:nvSpPr>
         <p:spPr>
           <a:xfrm>
-            <a:off x="5636717" y="987426"/>
-            <a:ext cx="6712268" cy="4873625"/>
+            <a:off x="6025456" y="987426"/>
+            <a:ext cx="7175183" cy="4873625"/>
           </a:xfrm>
         </p:spPr>
         <p:txBody>
@@ -2726,8 +2726,8 @@
         </p:nvSpPr>
         <p:spPr>
           <a:xfrm>
-            <a:off x="913270" y="2057400"/>
-            <a:ext cx="4276308" cy="3811588"/>
+            <a:off x="976254" y="2057400"/>
+            <a:ext cx="4571226" cy="3811588"/>
           </a:xfrm>
         </p:spPr>
         <p:txBody>
@@ -2847,7 +2847,7 @@
     </p:spTree>
     <p:extLst>
       <p:ext uri="{BB962C8B-B14F-4D97-AF65-F5344CB8AC3E}">
-        <p14:creationId xmlns:p14="http://schemas.microsoft.com/office/powerpoint/2010/main" val="3503228416"/>
+        <p14:creationId xmlns:p14="http://schemas.microsoft.com/office/powerpoint/2010/main" val="4135197305"/>
       </p:ext>
     </p:extLst>
   </p:cSld>
@@ -2891,8 +2891,8 @@
         </p:nvSpPr>
         <p:spPr>
           <a:xfrm>
-            <a:off x="911543" y="365126"/>
-            <a:ext cx="11435715" cy="1325563"/>
+            <a:off x="974408" y="365126"/>
+            <a:ext cx="12224385" cy="1325563"/>
           </a:xfrm>
           <a:prstGeom prst="rect">
             <a:avLst/>
@@ -2924,8 +2924,8 @@
         </p:nvSpPr>
         <p:spPr>
           <a:xfrm>
-            <a:off x="911543" y="1825625"/>
-            <a:ext cx="11435715" cy="4351338"/>
+            <a:off x="974408" y="1825625"/>
+            <a:ext cx="12224385" cy="4351338"/>
           </a:xfrm>
           <a:prstGeom prst="rect">
             <a:avLst/>
@@ -2986,8 +2986,8 @@
         </p:nvSpPr>
         <p:spPr>
           <a:xfrm>
-            <a:off x="911543" y="6356351"/>
-            <a:ext cx="2983230" cy="365125"/>
+            <a:off x="974408" y="6356351"/>
+            <a:ext cx="3188970" cy="365125"/>
           </a:xfrm>
           <a:prstGeom prst="rect">
             <a:avLst/>
@@ -3027,8 +3027,8 @@
         </p:nvSpPr>
         <p:spPr>
           <a:xfrm>
-            <a:off x="4391978" y="6356351"/>
-            <a:ext cx="4474845" cy="365125"/>
+            <a:off x="4694873" y="6356351"/>
+            <a:ext cx="4783455" cy="365125"/>
           </a:xfrm>
           <a:prstGeom prst="rect">
             <a:avLst/>
@@ -3064,8 +3064,8 @@
         </p:nvSpPr>
         <p:spPr>
           <a:xfrm>
-            <a:off x="9364028" y="6356351"/>
-            <a:ext cx="2983230" cy="365125"/>
+            <a:off x="10009823" y="6356351"/>
+            <a:ext cx="3188970" cy="365125"/>
           </a:xfrm>
           <a:prstGeom prst="rect">
             <a:avLst/>
@@ -3096,23 +3096,23 @@
     </p:spTree>
     <p:extLst>
       <p:ext uri="{BB962C8B-B14F-4D97-AF65-F5344CB8AC3E}">
-        <p14:creationId xmlns:p14="http://schemas.microsoft.com/office/powerpoint/2010/main" val="1982551328"/>
+        <p14:creationId xmlns:p14="http://schemas.microsoft.com/office/powerpoint/2010/main" val="23016568"/>
       </p:ext>
     </p:extLst>
   </p:cSld>
   <p:clrMap bg1="lt1" tx1="dk1" bg2="lt2" tx2="dk2" accent1="accent1" accent2="accent2" accent3="accent3" accent4="accent4" accent5="accent5" accent6="accent6" hlink="hlink" folHlink="folHlink"/>
   <p:sldLayoutIdLst>
-    <p:sldLayoutId id="2147483721" r:id="rId1"/>
-    <p:sldLayoutId id="2147483722" r:id="rId2"/>
-    <p:sldLayoutId id="2147483723" r:id="rId3"/>
-    <p:sldLayoutId id="2147483724" r:id="rId4"/>
-    <p:sldLayoutId id="2147483725" r:id="rId5"/>
-    <p:sldLayoutId id="2147483726" r:id="rId6"/>
-    <p:sldLayoutId id="2147483727" r:id="rId7"/>
-    <p:sldLayoutId id="2147483728" r:id="rId8"/>
-    <p:sldLayoutId id="2147483729" r:id="rId9"/>
-    <p:sldLayoutId id="2147483730" r:id="rId10"/>
-    <p:sldLayoutId id="2147483731" r:id="rId11"/>
+    <p:sldLayoutId id="2147483745" r:id="rId1"/>
+    <p:sldLayoutId id="2147483746" r:id="rId2"/>
+    <p:sldLayoutId id="2147483747" r:id="rId3"/>
+    <p:sldLayoutId id="2147483748" r:id="rId4"/>
+    <p:sldLayoutId id="2147483749" r:id="rId5"/>
+    <p:sldLayoutId id="2147483750" r:id="rId6"/>
+    <p:sldLayoutId id="2147483751" r:id="rId7"/>
+    <p:sldLayoutId id="2147483752" r:id="rId8"/>
+    <p:sldLayoutId id="2147483753" r:id="rId9"/>
+    <p:sldLayoutId id="2147483754" r:id="rId10"/>
+    <p:sldLayoutId id="2147483755" r:id="rId11"/>
   </p:sldLayoutIdLst>
   <p:hf hdr="0" ftr="0" dt="0"/>
   <p:txStyles>
@@ -3429,10 +3429,10 @@
         </p:nvGrpSpPr>
         <p:grpSpPr>
           <a:xfrm>
-            <a:off x="-46180" y="44667"/>
-            <a:ext cx="13778116" cy="6768671"/>
-            <a:chOff x="813222" y="313301"/>
-            <a:chExt cx="13778116" cy="6768671"/>
+            <a:off x="1679" y="44671"/>
+            <a:ext cx="14187459" cy="6768671"/>
+            <a:chOff x="403879" y="313301"/>
+            <a:chExt cx="14187459" cy="6768671"/>
           </a:xfrm>
         </p:grpSpPr>
         <p:sp>
@@ -3468,7 +3468,7 @@
                   <a:solidFill>
                     <a:srgbClr val="0096FF"/>
                   </a:solidFill>
-                  <a:latin typeface="Palatino Linotype" panose="02040502050505030304" pitchFamily="18" charset="0"/>
+                  <a:latin typeface="Merriweather" pitchFamily="2" charset="77"/>
                 </a:rPr>
                 <a:t>Compliant controllers</a:t>
               </a:r>
@@ -3480,7 +3480,7 @@
                   <a:solidFill>
                     <a:srgbClr val="0096FF"/>
                   </a:solidFill>
-                  <a:latin typeface="Palatino Linotype" panose="02040502050505030304" pitchFamily="18" charset="0"/>
+                  <a:latin typeface="Merriweather" pitchFamily="2" charset="77"/>
                 </a:rPr>
                 <a:t>Safety = low contact force</a:t>
               </a:r>
@@ -3501,8 +3501,8 @@
           </p:nvSpPr>
           <p:spPr>
             <a:xfrm>
-              <a:off x="813222" y="313301"/>
-              <a:ext cx="6624378" cy="1200329"/>
+              <a:off x="403879" y="313301"/>
+              <a:ext cx="7443064" cy="1200329"/>
             </a:xfrm>
             <a:prstGeom prst="rect">
               <a:avLst/>
@@ -3520,7 +3520,7 @@
                   <a:solidFill>
                     <a:srgbClr val="9437FF"/>
                   </a:solidFill>
-                  <a:latin typeface="Palatino Linotype" panose="02040502050505030304" pitchFamily="18" charset="0"/>
+                  <a:latin typeface="Merriweather" pitchFamily="2" charset="77"/>
                 </a:rPr>
                 <a:t>Human-aware motion planners</a:t>
               </a:r>
@@ -3532,7 +3532,7 @@
                   <a:solidFill>
                     <a:srgbClr val="9437FF"/>
                   </a:solidFill>
-                  <a:latin typeface="Palatino Linotype" panose="02040502050505030304" pitchFamily="18" charset="0"/>
+                  <a:latin typeface="Merriweather" pitchFamily="2" charset="77"/>
                 </a:rPr>
                 <a:t>Safety = collision avoidance</a:t>
               </a:r>
@@ -3985,8 +3985,8 @@
           </p:nvSpPr>
           <p:spPr>
             <a:xfrm>
-              <a:off x="2059767" y="6312531"/>
-              <a:ext cx="9032088" cy="769441"/>
+              <a:off x="1579125" y="6312531"/>
+              <a:ext cx="9863598" cy="769441"/>
             </a:xfrm>
             <a:prstGeom prst="rect">
               <a:avLst/>
@@ -4003,7 +4003,7 @@
                   <a:solidFill>
                     <a:srgbClr val="9437FF"/>
                   </a:solidFill>
-                  <a:latin typeface="Palatino Linotype" panose="02040502050505030304" pitchFamily="18" charset="0"/>
+                  <a:latin typeface="Merriweather" pitchFamily="2" charset="77"/>
                 </a:rPr>
                 <a:t>Collision avoidance </a:t>
               </a:r>
@@ -4015,7 +4015,7 @@
                   <a:highlight>
                     <a:srgbClr val="000000"/>
                   </a:highlight>
-                  <a:latin typeface="Palatino Linotype" panose="02040502050505030304" pitchFamily="18" charset="0"/>
+                  <a:latin typeface="Merriweather" pitchFamily="2" charset="77"/>
                 </a:rPr>
                 <a:t>OR</a:t>
               </a:r>
@@ -4024,7 +4024,7 @@
                   <a:solidFill>
                     <a:srgbClr val="FF0000"/>
                   </a:solidFill>
-                  <a:latin typeface="Palatino Linotype" panose="02040502050505030304" pitchFamily="18" charset="0"/>
+                  <a:latin typeface="Merriweather" pitchFamily="2" charset="77"/>
                 </a:rPr>
                 <a:t> </a:t>
               </a:r>
@@ -4033,7 +4033,7 @@
                   <a:solidFill>
                     <a:srgbClr val="0096FF"/>
                   </a:solidFill>
-                  <a:latin typeface="Palatino Linotype" panose="02040502050505030304" pitchFamily="18" charset="0"/>
+                  <a:latin typeface="Merriweather" pitchFamily="2" charset="77"/>
                 </a:rPr>
                 <a:t>safe impact</a:t>
               </a:r>
